--- a/S1応用研究 2023年電子情報通信学会 総合大会 ISS特別企画「ジュニア＆学生ポスターセッション」/ポスター.pptx
+++ b/S1応用研究 2023年電子情報通信学会 総合大会 ISS特別企画「ジュニア＆学生ポスターセッション」/ポスター.pptx
@@ -1952,7 +1952,7 @@
           <a:p>
             <a:fld id="{34680D52-1586-4D51-9390-D034872C3FEC}" type="datetimeFigureOut">
               <a:rPr kumimoji="1" lang="ja-JP" altLang="en-US" smtClean="0"/>
-              <a:t>2023/2/25</a:t>
+              <a:t>2023/2/28</a:t>
             </a:fld>
             <a:endParaRPr kumimoji="1" lang="ja-JP" altLang="en-US"/>
           </a:p>
@@ -2382,7 +2382,7 @@
           <a:p>
             <a:fld id="{EE6A74BB-DFB0-495A-A31D-3FA98A67FFA0}" type="datetimeFigureOut">
               <a:rPr kumimoji="1" lang="ja-JP" altLang="en-US" smtClean="0"/>
-              <a:t>2023/2/25</a:t>
+              <a:t>2023/2/28</a:t>
             </a:fld>
             <a:endParaRPr kumimoji="1" lang="ja-JP" altLang="en-US"/>
           </a:p>
@@ -2584,7 +2584,7 @@
           <a:p>
             <a:fld id="{EE6A74BB-DFB0-495A-A31D-3FA98A67FFA0}" type="datetimeFigureOut">
               <a:rPr kumimoji="1" lang="ja-JP" altLang="en-US" smtClean="0"/>
-              <a:t>2023/2/25</a:t>
+              <a:t>2023/2/28</a:t>
             </a:fld>
             <a:endParaRPr kumimoji="1" lang="ja-JP" altLang="en-US"/>
           </a:p>
@@ -2796,7 +2796,7 @@
           <a:p>
             <a:fld id="{EE6A74BB-DFB0-495A-A31D-3FA98A67FFA0}" type="datetimeFigureOut">
               <a:rPr kumimoji="1" lang="ja-JP" altLang="en-US" smtClean="0"/>
-              <a:t>2023/2/25</a:t>
+              <a:t>2023/2/28</a:t>
             </a:fld>
             <a:endParaRPr kumimoji="1" lang="ja-JP" altLang="en-US"/>
           </a:p>
@@ -3009,7 +3009,7 @@
           <a:p>
             <a:fld id="{EE6A74BB-DFB0-495A-A31D-3FA98A67FFA0}" type="datetimeFigureOut">
               <a:rPr kumimoji="1" lang="ja-JP" altLang="en-US" smtClean="0"/>
-              <a:t>2023/2/25</a:t>
+              <a:t>2023/2/28</a:t>
             </a:fld>
             <a:endParaRPr kumimoji="1" lang="ja-JP" altLang="en-US"/>
           </a:p>
@@ -3253,7 +3253,7 @@
           <a:p>
             <a:fld id="{EE6A74BB-DFB0-495A-A31D-3FA98A67FFA0}" type="datetimeFigureOut">
               <a:rPr kumimoji="1" lang="ja-JP" altLang="en-US" smtClean="0"/>
-              <a:t>2023/2/25</a:t>
+              <a:t>2023/2/28</a:t>
             </a:fld>
             <a:endParaRPr kumimoji="1" lang="ja-JP" altLang="en-US"/>
           </a:p>
@@ -3549,7 +3549,7 @@
           <a:p>
             <a:fld id="{EE6A74BB-DFB0-495A-A31D-3FA98A67FFA0}" type="datetimeFigureOut">
               <a:rPr kumimoji="1" lang="ja-JP" altLang="en-US" smtClean="0"/>
-              <a:t>2023/2/25</a:t>
+              <a:t>2023/2/28</a:t>
             </a:fld>
             <a:endParaRPr kumimoji="1" lang="ja-JP" altLang="en-US"/>
           </a:p>
@@ -3980,7 +3980,7 @@
           <a:p>
             <a:fld id="{EE6A74BB-DFB0-495A-A31D-3FA98A67FFA0}" type="datetimeFigureOut">
               <a:rPr kumimoji="1" lang="ja-JP" altLang="en-US" smtClean="0"/>
-              <a:t>2023/2/25</a:t>
+              <a:t>2023/2/28</a:t>
             </a:fld>
             <a:endParaRPr kumimoji="1" lang="ja-JP" altLang="en-US"/>
           </a:p>
@@ -4098,7 +4098,7 @@
           <a:p>
             <a:fld id="{EE6A74BB-DFB0-495A-A31D-3FA98A67FFA0}" type="datetimeFigureOut">
               <a:rPr kumimoji="1" lang="ja-JP" altLang="en-US" smtClean="0"/>
-              <a:t>2023/2/25</a:t>
+              <a:t>2023/2/28</a:t>
             </a:fld>
             <a:endParaRPr kumimoji="1" lang="ja-JP" altLang="en-US"/>
           </a:p>
@@ -4193,7 +4193,7 @@
           <a:p>
             <a:fld id="{EE6A74BB-DFB0-495A-A31D-3FA98A67FFA0}" type="datetimeFigureOut">
               <a:rPr kumimoji="1" lang="ja-JP" altLang="en-US" smtClean="0"/>
-              <a:t>2023/2/25</a:t>
+              <a:t>2023/2/28</a:t>
             </a:fld>
             <a:endParaRPr kumimoji="1" lang="ja-JP" altLang="en-US"/>
           </a:p>
@@ -4518,7 +4518,7 @@
           <a:p>
             <a:fld id="{EE6A74BB-DFB0-495A-A31D-3FA98A67FFA0}" type="datetimeFigureOut">
               <a:rPr kumimoji="1" lang="ja-JP" altLang="en-US" smtClean="0"/>
-              <a:t>2023/2/25</a:t>
+              <a:t>2023/2/28</a:t>
             </a:fld>
             <a:endParaRPr kumimoji="1" lang="ja-JP" altLang="en-US"/>
           </a:p>
@@ -4775,7 +4775,7 @@
           <a:p>
             <a:fld id="{EE6A74BB-DFB0-495A-A31D-3FA98A67FFA0}" type="datetimeFigureOut">
               <a:rPr kumimoji="1" lang="ja-JP" altLang="en-US" smtClean="0"/>
-              <a:t>2023/2/25</a:t>
+              <a:t>2023/2/28</a:t>
             </a:fld>
             <a:endParaRPr kumimoji="1" lang="ja-JP" altLang="en-US"/>
           </a:p>
@@ -5039,7 +5039,7 @@
           <a:p>
             <a:fld id="{EE6A74BB-DFB0-495A-A31D-3FA98A67FFA0}" type="datetimeFigureOut">
               <a:rPr kumimoji="1" lang="ja-JP" altLang="en-US" smtClean="0"/>
-              <a:t>2023/2/25</a:t>
+              <a:t>2023/2/28</a:t>
             </a:fld>
             <a:endParaRPr kumimoji="1" lang="ja-JP" altLang="en-US"/>
           </a:p>
@@ -6250,7 +6250,7 @@
                 <a:latin typeface="Meiryo" panose="020B0604030504040204" pitchFamily="34" charset="-128"/>
                 <a:ea typeface="Meiryo" panose="020B0604030504040204" pitchFamily="34" charset="-128"/>
               </a:rPr>
-              <a:t>しかし、学生によって習得度合いの</a:t>
+              <a:t>しかし，学生によって習得度合いの</a:t>
             </a:r>
             <a:r>
               <a:rPr kumimoji="1" lang="ja-JP" altLang="en-US" sz="2800">
@@ -7900,6 +7900,21 @@
 </file>
 
 <file path=customXml/item1.xml><?xml version="1.0" encoding="utf-8"?>
+<p:properties xmlns:p="http://schemas.microsoft.com/office/2006/metadata/properties" xmlns:xsi="http://www.w3.org/2001/XMLSchema-instance" xmlns:pc="http://schemas.microsoft.com/office/infopath/2007/PartnerControls">
+  <documentManagement/>
+</p:properties>
+</file>
+
+<file path=customXml/item2.xml><?xml version="1.0" encoding="utf-8"?>
+<?mso-contentType ?>
+<FormTemplates xmlns="http://schemas.microsoft.com/sharepoint/v3/contenttype/forms">
+  <Display>DocumentLibraryForm</Display>
+  <Edit>DocumentLibraryForm</Edit>
+  <New>DocumentLibraryForm</New>
+</FormTemplates>
+</file>
+
+<file path=customXml/item3.xml><?xml version="1.0" encoding="utf-8"?>
 <ct:contentTypeSchema xmlns:ct="http://schemas.microsoft.com/office/2006/metadata/contentType" xmlns:ma="http://schemas.microsoft.com/office/2006/metadata/properties/metaAttributes" ct:_="" ma:_="" ma:contentTypeName="ドキュメント" ma:contentTypeID="0x010100FA9ACA75C862754A8649B3E439449CE0" ma:contentTypeVersion="11" ma:contentTypeDescription="新しいドキュメントを作成します。" ma:contentTypeScope="" ma:versionID="7296e0e39e2783cc89323ba7abddf997">
   <xsd:schema xmlns:xsd="http://www.w3.org/2001/XMLSchema" xmlns:xs="http://www.w3.org/2001/XMLSchema" xmlns:p="http://schemas.microsoft.com/office/2006/metadata/properties" xmlns:ns3="0c1a8caa-280c-40d8-9a19-c8759556d505" xmlns:ns4="b39ea729-9bc3-4c1e-9a2f-5f0a663ece30" targetNamespace="http://schemas.microsoft.com/office/2006/metadata/properties" ma:root="true" ma:fieldsID="fc38e151f64b359565570f54546a004c" ns3:_="" ns4:_="">
     <xsd:import namespace="0c1a8caa-280c-40d8-9a19-c8759556d505"/>
@@ -8108,22 +8123,32 @@
 </ct:contentTypeSchema>
 </file>
 
-<file path=customXml/item2.xml><?xml version="1.0" encoding="utf-8"?>
-<?mso-contentType ?>
-<FormTemplates xmlns="http://schemas.microsoft.com/sharepoint/v3/contenttype/forms">
-  <Display>DocumentLibraryForm</Display>
-  <Edit>DocumentLibraryForm</Edit>
-  <New>DocumentLibraryForm</New>
-</FormTemplates>
+<file path=customXml/itemProps1.xml><?xml version="1.0" encoding="utf-8"?>
+<ds:datastoreItem xmlns:ds="http://schemas.openxmlformats.org/officeDocument/2006/customXml" ds:itemID="{FE564941-C9B5-43E9-9E7B-DAA98D6FD7F4}">
+  <ds:schemaRefs>
+    <ds:schemaRef ds:uri="http://purl.org/dc/terms/"/>
+    <ds:schemaRef ds:uri="0c1a8caa-280c-40d8-9a19-c8759556d505"/>
+    <ds:schemaRef ds:uri="http://purl.org/dc/dcmitype/"/>
+    <ds:schemaRef ds:uri="http://schemas.openxmlformats.org/package/2006/metadata/core-properties"/>
+    <ds:schemaRef ds:uri="http://schemas.microsoft.com/office/2006/metadata/properties"/>
+    <ds:schemaRef ds:uri="http://purl.org/dc/elements/1.1/"/>
+    <ds:schemaRef ds:uri="http://schemas.microsoft.com/office/2006/documentManagement/types"/>
+    <ds:schemaRef ds:uri="http://www.w3.org/XML/1998/namespace"/>
+    <ds:schemaRef ds:uri="http://schemas.microsoft.com/office/infopath/2007/PartnerControls"/>
+    <ds:schemaRef ds:uri="b39ea729-9bc3-4c1e-9a2f-5f0a663ece30"/>
+  </ds:schemaRefs>
+</ds:datastoreItem>
 </file>
 
-<file path=customXml/item3.xml><?xml version="1.0" encoding="utf-8"?>
-<p:properties xmlns:p="http://schemas.microsoft.com/office/2006/metadata/properties" xmlns:xsi="http://www.w3.org/2001/XMLSchema-instance" xmlns:pc="http://schemas.microsoft.com/office/infopath/2007/PartnerControls">
-  <documentManagement/>
-</p:properties>
+<file path=customXml/itemProps2.xml><?xml version="1.0" encoding="utf-8"?>
+<ds:datastoreItem xmlns:ds="http://schemas.openxmlformats.org/officeDocument/2006/customXml" ds:itemID="{D7494AD0-77FE-4101-86A5-DA85CEBEFAE6}">
+  <ds:schemaRefs>
+    <ds:schemaRef ds:uri="http://schemas.microsoft.com/sharepoint/v3/contenttype/forms"/>
+  </ds:schemaRefs>
+</ds:datastoreItem>
 </file>
 
-<file path=customXml/itemProps1.xml><?xml version="1.0" encoding="utf-8"?>
+<file path=customXml/itemProps3.xml><?xml version="1.0" encoding="utf-8"?>
 <ds:datastoreItem xmlns:ds="http://schemas.openxmlformats.org/officeDocument/2006/customXml" ds:itemID="{8C49C3D4-156D-40AC-A976-586C97A226BB}">
   <ds:schemaRefs>
     <ds:schemaRef ds:uri="http://schemas.microsoft.com/office/2006/metadata/contentType"/>
@@ -8140,29 +8165,4 @@
     <ds:schemaRef ds:uri="http://schemas.microsoft.com/internal/obd"/>
   </ds:schemaRefs>
 </ds:datastoreItem>
-</file>
-
-<file path=customXml/itemProps2.xml><?xml version="1.0" encoding="utf-8"?>
-<ds:datastoreItem xmlns:ds="http://schemas.openxmlformats.org/officeDocument/2006/customXml" ds:itemID="{D7494AD0-77FE-4101-86A5-DA85CEBEFAE6}">
-  <ds:schemaRefs>
-    <ds:schemaRef ds:uri="http://schemas.microsoft.com/sharepoint/v3/contenttype/forms"/>
-  </ds:schemaRefs>
-</ds:datastoreItem>
-</file>
-
-<file path=customXml/itemProps3.xml><?xml version="1.0" encoding="utf-8"?>
-<ds:datastoreItem xmlns:ds="http://schemas.openxmlformats.org/officeDocument/2006/customXml" ds:itemID="{FE564941-C9B5-43E9-9E7B-DAA98D6FD7F4}">
-  <ds:schemaRefs>
-    <ds:schemaRef ds:uri="http://purl.org/dc/terms/"/>
-    <ds:schemaRef ds:uri="0c1a8caa-280c-40d8-9a19-c8759556d505"/>
-    <ds:schemaRef ds:uri="http://purl.org/dc/dcmitype/"/>
-    <ds:schemaRef ds:uri="http://schemas.openxmlformats.org/package/2006/metadata/core-properties"/>
-    <ds:schemaRef ds:uri="http://schemas.microsoft.com/office/2006/metadata/properties"/>
-    <ds:schemaRef ds:uri="http://purl.org/dc/elements/1.1/"/>
-    <ds:schemaRef ds:uri="http://schemas.microsoft.com/office/2006/documentManagement/types"/>
-    <ds:schemaRef ds:uri="http://www.w3.org/XML/1998/namespace"/>
-    <ds:schemaRef ds:uri="http://schemas.microsoft.com/office/infopath/2007/PartnerControls"/>
-    <ds:schemaRef ds:uri="b39ea729-9bc3-4c1e-9a2f-5f0a663ece30"/>
-  </ds:schemaRefs>
-</ds:datastoreItem>
 </file>